--- a/interface_documents/sample_ppt/flow.pptx
+++ b/interface_documents/sample_ppt/flow.pptx
@@ -6,6 +6,8 @@
   </p:sldMasterIdLst>
   <p:sldIdLst>
     <p:sldId id="257" r:id="rId2"/>
+    <p:sldId id="259" r:id="rId3"/>
+    <p:sldId id="258" r:id="rId4"/>
   </p:sldIdLst>
   <p:sldSz cx="9144000" cy="6858000" type="screen4x3"/>
   <p:notesSz cx="6858000" cy="9144000"/>
@@ -288,7 +290,7 @@
           <a:p>
             <a:fld id="{44927B15-27B2-4040-9239-307448B0EC4D}" type="datetimeFigureOut">
               <a:rPr lang="en-US" smtClean="0"/>
-              <a:t>5/7/2020</a:t>
+              <a:t>5/13/2020</a:t>
             </a:fld>
             <a:endParaRPr lang="en-US"/>
           </a:p>
@@ -458,7 +460,7 @@
           <a:p>
             <a:fld id="{44927B15-27B2-4040-9239-307448B0EC4D}" type="datetimeFigureOut">
               <a:rPr lang="en-US" smtClean="0"/>
-              <a:t>5/7/2020</a:t>
+              <a:t>5/13/2020</a:t>
             </a:fld>
             <a:endParaRPr lang="en-US"/>
           </a:p>
@@ -638,7 +640,7 @@
           <a:p>
             <a:fld id="{44927B15-27B2-4040-9239-307448B0EC4D}" type="datetimeFigureOut">
               <a:rPr lang="en-US" smtClean="0"/>
-              <a:t>5/7/2020</a:t>
+              <a:t>5/13/2020</a:t>
             </a:fld>
             <a:endParaRPr lang="en-US"/>
           </a:p>
@@ -808,7 +810,7 @@
           <a:p>
             <a:fld id="{44927B15-27B2-4040-9239-307448B0EC4D}" type="datetimeFigureOut">
               <a:rPr lang="en-US" smtClean="0"/>
-              <a:t>5/7/2020</a:t>
+              <a:t>5/13/2020</a:t>
             </a:fld>
             <a:endParaRPr lang="en-US"/>
           </a:p>
@@ -1054,7 +1056,7 @@
           <a:p>
             <a:fld id="{44927B15-27B2-4040-9239-307448B0EC4D}" type="datetimeFigureOut">
               <a:rPr lang="en-US" smtClean="0"/>
-              <a:t>5/7/2020</a:t>
+              <a:t>5/13/2020</a:t>
             </a:fld>
             <a:endParaRPr lang="en-US"/>
           </a:p>
@@ -1342,7 +1344,7 @@
           <a:p>
             <a:fld id="{44927B15-27B2-4040-9239-307448B0EC4D}" type="datetimeFigureOut">
               <a:rPr lang="en-US" smtClean="0"/>
-              <a:t>5/7/2020</a:t>
+              <a:t>5/13/2020</a:t>
             </a:fld>
             <a:endParaRPr lang="en-US"/>
           </a:p>
@@ -1764,7 +1766,7 @@
           <a:p>
             <a:fld id="{44927B15-27B2-4040-9239-307448B0EC4D}" type="datetimeFigureOut">
               <a:rPr lang="en-US" smtClean="0"/>
-              <a:t>5/7/2020</a:t>
+              <a:t>5/13/2020</a:t>
             </a:fld>
             <a:endParaRPr lang="en-US"/>
           </a:p>
@@ -1882,7 +1884,7 @@
           <a:p>
             <a:fld id="{44927B15-27B2-4040-9239-307448B0EC4D}" type="datetimeFigureOut">
               <a:rPr lang="en-US" smtClean="0"/>
-              <a:t>5/7/2020</a:t>
+              <a:t>5/13/2020</a:t>
             </a:fld>
             <a:endParaRPr lang="en-US"/>
           </a:p>
@@ -1977,7 +1979,7 @@
           <a:p>
             <a:fld id="{44927B15-27B2-4040-9239-307448B0EC4D}" type="datetimeFigureOut">
               <a:rPr lang="en-US" smtClean="0"/>
-              <a:t>5/7/2020</a:t>
+              <a:t>5/13/2020</a:t>
             </a:fld>
             <a:endParaRPr lang="en-US"/>
           </a:p>
@@ -2254,7 +2256,7 @@
           <a:p>
             <a:fld id="{44927B15-27B2-4040-9239-307448B0EC4D}" type="datetimeFigureOut">
               <a:rPr lang="en-US" smtClean="0"/>
-              <a:t>5/7/2020</a:t>
+              <a:t>5/13/2020</a:t>
             </a:fld>
             <a:endParaRPr lang="en-US"/>
           </a:p>
@@ -2507,7 +2509,7 @@
           <a:p>
             <a:fld id="{44927B15-27B2-4040-9239-307448B0EC4D}" type="datetimeFigureOut">
               <a:rPr lang="en-US" smtClean="0"/>
-              <a:t>5/7/2020</a:t>
+              <a:t>5/13/2020</a:t>
             </a:fld>
             <a:endParaRPr lang="en-US"/>
           </a:p>
@@ -2720,7 +2722,7 @@
           <a:p>
             <a:fld id="{44927B15-27B2-4040-9239-307448B0EC4D}" type="datetimeFigureOut">
               <a:rPr lang="en-US" smtClean="0"/>
-              <a:t>5/7/2020</a:t>
+              <a:t>5/13/2020</a:t>
             </a:fld>
             <a:endParaRPr lang="en-US"/>
           </a:p>
@@ -4050,6 +4052,1073 @@
 </p:sld>
 </file>
 
+<file path=ppt/slides/slide2.xml><?xml version="1.0" encoding="utf-8"?>
+<p:sld xmlns:a="http://schemas.openxmlformats.org/drawingml/2006/main" xmlns:r="http://schemas.openxmlformats.org/officeDocument/2006/relationships" xmlns:p="http://schemas.openxmlformats.org/presentationml/2006/main">
+  <p:cSld>
+    <p:spTree>
+      <p:nvGrpSpPr>
+        <p:cNvPr id="1" name=""/>
+        <p:cNvGrpSpPr/>
+        <p:nvPr/>
+      </p:nvGrpSpPr>
+      <p:grpSpPr>
+        <a:xfrm>
+          <a:off x="0" y="0"/>
+          <a:ext cx="0" cy="0"/>
+          <a:chOff x="0" y="0"/>
+          <a:chExt cx="0" cy="0"/>
+        </a:xfrm>
+      </p:grpSpPr>
+      <p:sp>
+        <p:nvSpPr>
+          <p:cNvPr id="2" name="Title 1"/>
+          <p:cNvSpPr>
+            <a:spLocks noGrp="1"/>
+          </p:cNvSpPr>
+          <p:nvPr>
+            <p:ph type="title"/>
+          </p:nvPr>
+        </p:nvSpPr>
+        <p:spPr/>
+        <p:txBody>
+          <a:bodyPr/>
+          <a:lstStyle/>
+          <a:p>
+            <a:r>
+              <a:rPr lang="en-US" dirty="0" smtClean="0"/>
+              <a:t>NEW CHANGE..?</a:t>
+            </a:r>
+            <a:endParaRPr lang="en-US" dirty="0"/>
+          </a:p>
+        </p:txBody>
+      </p:sp>
+      <p:sp>
+        <p:nvSpPr>
+          <p:cNvPr id="3" name="Content Placeholder 2"/>
+          <p:cNvSpPr>
+            <a:spLocks noGrp="1"/>
+          </p:cNvSpPr>
+          <p:nvPr>
+            <p:ph idx="1"/>
+          </p:nvPr>
+        </p:nvSpPr>
+        <p:spPr/>
+        <p:txBody>
+          <a:bodyPr/>
+          <a:lstStyle/>
+          <a:p>
+            <a:endParaRPr lang="en-US" dirty="0"/>
+          </a:p>
+        </p:txBody>
+      </p:sp>
+    </p:spTree>
+    <p:extLst>
+      <p:ext uri="{BB962C8B-B14F-4D97-AF65-F5344CB8AC3E}">
+        <p14:creationId xmlns:p14="http://schemas.microsoft.com/office/powerpoint/2010/main" val="4169096139"/>
+      </p:ext>
+    </p:extLst>
+  </p:cSld>
+  <p:clrMapOvr>
+    <a:masterClrMapping/>
+  </p:clrMapOvr>
+</p:sld>
+</file>
+
+<file path=ppt/slides/slide3.xml><?xml version="1.0" encoding="utf-8"?>
+<p:sld xmlns:a="http://schemas.openxmlformats.org/drawingml/2006/main" xmlns:r="http://schemas.openxmlformats.org/officeDocument/2006/relationships" xmlns:p="http://schemas.openxmlformats.org/presentationml/2006/main">
+  <p:cSld>
+    <p:spTree>
+      <p:nvGrpSpPr>
+        <p:cNvPr id="1" name=""/>
+        <p:cNvGrpSpPr/>
+        <p:nvPr/>
+      </p:nvGrpSpPr>
+      <p:grpSpPr>
+        <a:xfrm>
+          <a:off x="0" y="0"/>
+          <a:ext cx="0" cy="0"/>
+          <a:chOff x="0" y="0"/>
+          <a:chExt cx="0" cy="0"/>
+        </a:xfrm>
+      </p:grpSpPr>
+      <p:sp>
+        <p:nvSpPr>
+          <p:cNvPr id="2" name="Title 1"/>
+          <p:cNvSpPr>
+            <a:spLocks noGrp="1"/>
+          </p:cNvSpPr>
+          <p:nvPr>
+            <p:ph type="title"/>
+          </p:nvPr>
+        </p:nvSpPr>
+        <p:spPr>
+          <a:xfrm>
+            <a:off x="1752600" y="503238"/>
+            <a:ext cx="8229600" cy="1143000"/>
+          </a:xfrm>
+        </p:spPr>
+        <p:txBody>
+          <a:bodyPr/>
+          <a:lstStyle/>
+          <a:p>
+            <a:endParaRPr lang="en-US"/>
+          </a:p>
+        </p:txBody>
+      </p:sp>
+      <p:sp>
+        <p:nvSpPr>
+          <p:cNvPr id="3" name="Content Placeholder 2"/>
+          <p:cNvSpPr>
+            <a:spLocks noGrp="1"/>
+          </p:cNvSpPr>
+          <p:nvPr>
+            <p:ph idx="1"/>
+          </p:nvPr>
+        </p:nvSpPr>
+        <p:spPr>
+          <a:xfrm>
+            <a:off x="1752600" y="1828800"/>
+            <a:ext cx="8229600" cy="4525963"/>
+          </a:xfrm>
+        </p:spPr>
+        <p:txBody>
+          <a:bodyPr/>
+          <a:lstStyle/>
+          <a:p>
+            <a:endParaRPr lang="en-US"/>
+          </a:p>
+        </p:txBody>
+      </p:sp>
+      <p:sp>
+        <p:nvSpPr>
+          <p:cNvPr id="4" name="Flowchart: Process 3"/>
+          <p:cNvSpPr/>
+          <p:nvPr/>
+        </p:nvSpPr>
+        <p:spPr>
+          <a:xfrm>
+            <a:off x="0" y="0"/>
+            <a:ext cx="9144000" cy="6858000"/>
+          </a:xfrm>
+          <a:prstGeom prst="flowChartProcess">
+            <a:avLst/>
+          </a:prstGeom>
+          <a:ln/>
+        </p:spPr>
+        <p:style>
+          <a:lnRef idx="1">
+            <a:schemeClr val="accent5"/>
+          </a:lnRef>
+          <a:fillRef idx="3">
+            <a:schemeClr val="accent5"/>
+          </a:fillRef>
+          <a:effectRef idx="2">
+            <a:schemeClr val="accent5"/>
+          </a:effectRef>
+          <a:fontRef idx="minor">
+            <a:schemeClr val="lt1"/>
+          </a:fontRef>
+        </p:style>
+        <p:txBody>
+          <a:bodyPr rtlCol="0" anchor="ctr"/>
+          <a:lstStyle/>
+          <a:p>
+            <a:pPr algn="r"/>
+            <a:endParaRPr lang="en-US" sz="3200" b="1" dirty="0"/>
+          </a:p>
+        </p:txBody>
+      </p:sp>
+      <p:sp>
+        <p:nvSpPr>
+          <p:cNvPr id="5" name="Rectangle 4"/>
+          <p:cNvSpPr/>
+          <p:nvPr/>
+        </p:nvSpPr>
+        <p:spPr>
+          <a:xfrm>
+            <a:off x="3198126" y="609600"/>
+            <a:ext cx="990600" cy="1066800"/>
+          </a:xfrm>
+          <a:prstGeom prst="rect">
+            <a:avLst/>
+          </a:prstGeom>
+        </p:spPr>
+        <p:style>
+          <a:lnRef idx="3">
+            <a:schemeClr val="lt1"/>
+          </a:lnRef>
+          <a:fillRef idx="1">
+            <a:schemeClr val="accent1"/>
+          </a:fillRef>
+          <a:effectRef idx="1">
+            <a:schemeClr val="accent1"/>
+          </a:effectRef>
+          <a:fontRef idx="minor">
+            <a:schemeClr val="lt1"/>
+          </a:fontRef>
+        </p:style>
+        <p:txBody>
+          <a:bodyPr rtlCol="0" anchor="ctr"/>
+          <a:lstStyle/>
+          <a:p>
+            <a:pPr algn="ctr"/>
+            <a:r>
+              <a:rPr lang="en-US" sz="1400" b="1" dirty="0" smtClean="0"/>
+              <a:t>Temporary </a:t>
+            </a:r>
+          </a:p>
+          <a:p>
+            <a:pPr algn="ctr"/>
+            <a:r>
+              <a:rPr lang="en-US" sz="1400" b="1" dirty="0" smtClean="0"/>
+              <a:t>table</a:t>
+            </a:r>
+            <a:endParaRPr lang="en-US" sz="1400" b="1" dirty="0"/>
+          </a:p>
+        </p:txBody>
+      </p:sp>
+      <p:sp>
+        <p:nvSpPr>
+          <p:cNvPr id="6" name="Diamond 5"/>
+          <p:cNvSpPr/>
+          <p:nvPr/>
+        </p:nvSpPr>
+        <p:spPr>
+          <a:xfrm>
+            <a:off x="2578859" y="1905000"/>
+            <a:ext cx="2229134" cy="990600"/>
+          </a:xfrm>
+          <a:prstGeom prst="diamond">
+            <a:avLst/>
+          </a:prstGeom>
+        </p:spPr>
+        <p:style>
+          <a:lnRef idx="3">
+            <a:schemeClr val="lt1"/>
+          </a:lnRef>
+          <a:fillRef idx="1">
+            <a:schemeClr val="accent4"/>
+          </a:fillRef>
+          <a:effectRef idx="1">
+            <a:schemeClr val="accent4"/>
+          </a:effectRef>
+          <a:fontRef idx="minor">
+            <a:schemeClr val="lt1"/>
+          </a:fontRef>
+        </p:style>
+        <p:txBody>
+          <a:bodyPr rtlCol="0" anchor="ctr"/>
+          <a:lstStyle/>
+          <a:p>
+            <a:pPr algn="ctr"/>
+            <a:r>
+              <a:rPr lang="en-US" sz="1400" b="1" dirty="0" smtClean="0"/>
+              <a:t>Aggregation Query Daily</a:t>
+            </a:r>
+            <a:endParaRPr lang="en-US" sz="1400" b="1" dirty="0"/>
+          </a:p>
+        </p:txBody>
+      </p:sp>
+      <p:sp>
+        <p:nvSpPr>
+          <p:cNvPr id="7" name="Rectangle 6"/>
+          <p:cNvSpPr/>
+          <p:nvPr/>
+        </p:nvSpPr>
+        <p:spPr>
+          <a:xfrm>
+            <a:off x="5638800" y="1905000"/>
+            <a:ext cx="990600" cy="1066800"/>
+          </a:xfrm>
+          <a:prstGeom prst="rect">
+            <a:avLst/>
+          </a:prstGeom>
+        </p:spPr>
+        <p:style>
+          <a:lnRef idx="3">
+            <a:schemeClr val="lt1"/>
+          </a:lnRef>
+          <a:fillRef idx="1">
+            <a:schemeClr val="accent3"/>
+          </a:fillRef>
+          <a:effectRef idx="1">
+            <a:schemeClr val="accent3"/>
+          </a:effectRef>
+          <a:fontRef idx="minor">
+            <a:schemeClr val="lt1"/>
+          </a:fontRef>
+        </p:style>
+        <p:txBody>
+          <a:bodyPr rtlCol="0" anchor="ctr"/>
+          <a:lstStyle/>
+          <a:p>
+            <a:pPr algn="ctr"/>
+            <a:r>
+              <a:rPr lang="en-US" sz="1400" b="1" dirty="0" smtClean="0"/>
+              <a:t>Validation </a:t>
+            </a:r>
+          </a:p>
+          <a:p>
+            <a:pPr algn="ctr"/>
+            <a:r>
+              <a:rPr lang="en-US" sz="1400" b="1" dirty="0" smtClean="0"/>
+              <a:t>Table</a:t>
+            </a:r>
+          </a:p>
+        </p:txBody>
+      </p:sp>
+      <p:cxnSp>
+        <p:nvCxnSpPr>
+          <p:cNvPr id="9" name="Straight Arrow Connector 8"/>
+          <p:cNvCxnSpPr>
+            <a:stCxn id="6" idx="3"/>
+          </p:cNvCxnSpPr>
+          <p:nvPr/>
+        </p:nvCxnSpPr>
+        <p:spPr>
+          <a:xfrm>
+            <a:off x="4807993" y="2400300"/>
+            <a:ext cx="830807" cy="0"/>
+          </a:xfrm>
+          <a:prstGeom prst="straightConnector1">
+            <a:avLst/>
+          </a:prstGeom>
+          <a:ln>
+            <a:tailEnd type="arrow"/>
+          </a:ln>
+        </p:spPr>
+        <p:style>
+          <a:lnRef idx="3">
+            <a:schemeClr val="dk1"/>
+          </a:lnRef>
+          <a:fillRef idx="0">
+            <a:schemeClr val="dk1"/>
+          </a:fillRef>
+          <a:effectRef idx="2">
+            <a:schemeClr val="dk1"/>
+          </a:effectRef>
+          <a:fontRef idx="minor">
+            <a:schemeClr val="tx1"/>
+          </a:fontRef>
+        </p:style>
+      </p:cxnSp>
+      <p:sp>
+        <p:nvSpPr>
+          <p:cNvPr id="10" name="TextBox 9"/>
+          <p:cNvSpPr txBox="1"/>
+          <p:nvPr/>
+        </p:nvSpPr>
+        <p:spPr>
+          <a:xfrm>
+            <a:off x="4648485" y="1792701"/>
+            <a:ext cx="1523999" cy="307777"/>
+          </a:xfrm>
+          <a:prstGeom prst="rect">
+            <a:avLst/>
+          </a:prstGeom>
+          <a:noFill/>
+        </p:spPr>
+        <p:txBody>
+          <a:bodyPr wrap="square" rtlCol="0">
+            <a:spAutoFit/>
+          </a:bodyPr>
+          <a:lstStyle/>
+          <a:p>
+            <a:r>
+              <a:rPr lang="en-US" sz="1400" b="1" dirty="0" smtClean="0"/>
+              <a:t>INSERT</a:t>
+            </a:r>
+            <a:endParaRPr lang="en-US" sz="1400" b="1" dirty="0"/>
+          </a:p>
+        </p:txBody>
+      </p:sp>
+      <p:sp>
+        <p:nvSpPr>
+          <p:cNvPr id="11" name="Diamond 10"/>
+          <p:cNvSpPr/>
+          <p:nvPr/>
+        </p:nvSpPr>
+        <p:spPr>
+          <a:xfrm>
+            <a:off x="2636294" y="4038600"/>
+            <a:ext cx="2229134" cy="990600"/>
+          </a:xfrm>
+          <a:prstGeom prst="diamond">
+            <a:avLst/>
+          </a:prstGeom>
+        </p:spPr>
+        <p:style>
+          <a:lnRef idx="3">
+            <a:schemeClr val="lt1"/>
+          </a:lnRef>
+          <a:fillRef idx="1">
+            <a:schemeClr val="accent4"/>
+          </a:fillRef>
+          <a:effectRef idx="1">
+            <a:schemeClr val="accent4"/>
+          </a:effectRef>
+          <a:fontRef idx="minor">
+            <a:schemeClr val="lt1"/>
+          </a:fontRef>
+        </p:style>
+        <p:txBody>
+          <a:bodyPr rtlCol="0" anchor="ctr"/>
+          <a:lstStyle/>
+          <a:p>
+            <a:pPr algn="ctr"/>
+            <a:r>
+              <a:rPr lang="en-US" sz="1400" b="1" dirty="0" smtClean="0"/>
+              <a:t>Aggregation Query Monthly</a:t>
+            </a:r>
+            <a:endParaRPr lang="en-US" sz="1400" b="1" dirty="0"/>
+          </a:p>
+        </p:txBody>
+      </p:sp>
+      <p:sp>
+        <p:nvSpPr>
+          <p:cNvPr id="12" name="Rectangle 11"/>
+          <p:cNvSpPr/>
+          <p:nvPr/>
+        </p:nvSpPr>
+        <p:spPr>
+          <a:xfrm>
+            <a:off x="609600" y="1831777"/>
+            <a:ext cx="990600" cy="1140023"/>
+          </a:xfrm>
+          <a:prstGeom prst="rect">
+            <a:avLst/>
+          </a:prstGeom>
+        </p:spPr>
+        <p:style>
+          <a:lnRef idx="3">
+            <a:schemeClr val="lt1"/>
+          </a:lnRef>
+          <a:fillRef idx="1">
+            <a:schemeClr val="accent6"/>
+          </a:fillRef>
+          <a:effectRef idx="1">
+            <a:schemeClr val="accent6"/>
+          </a:effectRef>
+          <a:fontRef idx="minor">
+            <a:schemeClr val="lt1"/>
+          </a:fontRef>
+        </p:style>
+        <p:txBody>
+          <a:bodyPr rtlCol="0" anchor="ctr"/>
+          <a:lstStyle/>
+          <a:p>
+            <a:pPr algn="ctr"/>
+            <a:r>
+              <a:rPr lang="en-US" sz="1400" b="1" dirty="0" smtClean="0"/>
+              <a:t>Daily</a:t>
+            </a:r>
+          </a:p>
+          <a:p>
+            <a:pPr algn="ctr"/>
+            <a:r>
+              <a:rPr lang="en-US" sz="1400" b="1" dirty="0" smtClean="0"/>
+              <a:t>table</a:t>
+            </a:r>
+            <a:endParaRPr lang="en-US" sz="1400" b="1" dirty="0"/>
+          </a:p>
+        </p:txBody>
+      </p:sp>
+      <p:cxnSp>
+        <p:nvCxnSpPr>
+          <p:cNvPr id="13" name="Straight Arrow Connector 12"/>
+          <p:cNvCxnSpPr/>
+          <p:nvPr/>
+        </p:nvCxnSpPr>
+        <p:spPr>
+          <a:xfrm flipH="1">
+            <a:off x="1600200" y="2401788"/>
+            <a:ext cx="838200" cy="0"/>
+          </a:xfrm>
+          <a:prstGeom prst="straightConnector1">
+            <a:avLst/>
+          </a:prstGeom>
+          <a:ln>
+            <a:tailEnd type="arrow"/>
+          </a:ln>
+        </p:spPr>
+        <p:style>
+          <a:lnRef idx="3">
+            <a:schemeClr val="dk1"/>
+          </a:lnRef>
+          <a:fillRef idx="0">
+            <a:schemeClr val="dk1"/>
+          </a:fillRef>
+          <a:effectRef idx="2">
+            <a:schemeClr val="dk1"/>
+          </a:effectRef>
+          <a:fontRef idx="minor">
+            <a:schemeClr val="tx1"/>
+          </a:fontRef>
+        </p:style>
+      </p:cxnSp>
+      <p:sp>
+        <p:nvSpPr>
+          <p:cNvPr id="15" name="TextBox 14"/>
+          <p:cNvSpPr txBox="1"/>
+          <p:nvPr/>
+        </p:nvSpPr>
+        <p:spPr>
+          <a:xfrm>
+            <a:off x="1676400" y="1945100"/>
+            <a:ext cx="1523999" cy="307777"/>
+          </a:xfrm>
+          <a:prstGeom prst="rect">
+            <a:avLst/>
+          </a:prstGeom>
+          <a:noFill/>
+        </p:spPr>
+        <p:txBody>
+          <a:bodyPr wrap="square" rtlCol="0">
+            <a:spAutoFit/>
+          </a:bodyPr>
+          <a:lstStyle/>
+          <a:p>
+            <a:r>
+              <a:rPr lang="en-US" sz="1400" b="1" dirty="0" smtClean="0"/>
+              <a:t>INSERT</a:t>
+            </a:r>
+            <a:endParaRPr lang="en-US" sz="1400" b="1" dirty="0"/>
+          </a:p>
+        </p:txBody>
+      </p:sp>
+      <p:cxnSp>
+        <p:nvCxnSpPr>
+          <p:cNvPr id="17" name="Straight Arrow Connector 16"/>
+          <p:cNvCxnSpPr/>
+          <p:nvPr/>
+        </p:nvCxnSpPr>
+        <p:spPr>
+          <a:xfrm>
+            <a:off x="990600" y="3038901"/>
+            <a:ext cx="2702826" cy="961599"/>
+          </a:xfrm>
+          <a:prstGeom prst="straightConnector1">
+            <a:avLst/>
+          </a:prstGeom>
+          <a:ln>
+            <a:tailEnd type="arrow"/>
+          </a:ln>
+        </p:spPr>
+        <p:style>
+          <a:lnRef idx="3">
+            <a:schemeClr val="accent2"/>
+          </a:lnRef>
+          <a:fillRef idx="0">
+            <a:schemeClr val="accent2"/>
+          </a:fillRef>
+          <a:effectRef idx="2">
+            <a:schemeClr val="accent2"/>
+          </a:effectRef>
+          <a:fontRef idx="minor">
+            <a:schemeClr val="tx1"/>
+          </a:fontRef>
+        </p:style>
+      </p:cxnSp>
+      <p:cxnSp>
+        <p:nvCxnSpPr>
+          <p:cNvPr id="18" name="Straight Arrow Connector 17"/>
+          <p:cNvCxnSpPr/>
+          <p:nvPr/>
+        </p:nvCxnSpPr>
+        <p:spPr>
+          <a:xfrm flipH="1">
+            <a:off x="3793794" y="3009900"/>
+            <a:ext cx="2367033" cy="990600"/>
+          </a:xfrm>
+          <a:prstGeom prst="straightConnector1">
+            <a:avLst/>
+          </a:prstGeom>
+          <a:ln>
+            <a:tailEnd type="arrow"/>
+          </a:ln>
+        </p:spPr>
+        <p:style>
+          <a:lnRef idx="3">
+            <a:schemeClr val="accent2"/>
+          </a:lnRef>
+          <a:fillRef idx="0">
+            <a:schemeClr val="accent2"/>
+          </a:fillRef>
+          <a:effectRef idx="2">
+            <a:schemeClr val="accent2"/>
+          </a:effectRef>
+          <a:fontRef idx="minor">
+            <a:schemeClr val="tx1"/>
+          </a:fontRef>
+        </p:style>
+      </p:cxnSp>
+      <p:sp>
+        <p:nvSpPr>
+          <p:cNvPr id="27" name="TextBox 26"/>
+          <p:cNvSpPr txBox="1"/>
+          <p:nvPr/>
+        </p:nvSpPr>
+        <p:spPr>
+          <a:xfrm>
+            <a:off x="6934200" y="1791211"/>
+            <a:ext cx="2667000" cy="738664"/>
+          </a:xfrm>
+          <a:prstGeom prst="rect">
+            <a:avLst/>
+          </a:prstGeom>
+          <a:noFill/>
+        </p:spPr>
+        <p:txBody>
+          <a:bodyPr wrap="square" rtlCol="0">
+            <a:spAutoFit/>
+          </a:bodyPr>
+          <a:lstStyle/>
+          <a:p>
+            <a:pPr marL="285750" indent="-285750">
+              <a:buFont typeface="Arial" pitchFamily="34" charset="0"/>
+              <a:buChar char="•"/>
+            </a:pPr>
+            <a:r>
+              <a:rPr lang="en-US" sz="1400" dirty="0" smtClean="0"/>
+              <a:t>Repeated date with source/actor/metric</a:t>
+            </a:r>
+          </a:p>
+          <a:p>
+            <a:pPr marL="285750" indent="-285750">
+              <a:buFont typeface="Arial" pitchFamily="34" charset="0"/>
+              <a:buChar char="•"/>
+            </a:pPr>
+            <a:endParaRPr lang="en-US" sz="1400" dirty="0" smtClean="0"/>
+          </a:p>
+        </p:txBody>
+      </p:sp>
+      <p:cxnSp>
+        <p:nvCxnSpPr>
+          <p:cNvPr id="31" name="Straight Arrow Connector 30"/>
+          <p:cNvCxnSpPr/>
+          <p:nvPr/>
+        </p:nvCxnSpPr>
+        <p:spPr>
+          <a:xfrm flipV="1">
+            <a:off x="6393976" y="3038901"/>
+            <a:ext cx="0" cy="1494999"/>
+          </a:xfrm>
+          <a:prstGeom prst="straightConnector1">
+            <a:avLst/>
+          </a:prstGeom>
+          <a:ln>
+            <a:tailEnd type="arrow"/>
+          </a:ln>
+        </p:spPr>
+        <p:style>
+          <a:lnRef idx="2">
+            <a:schemeClr val="dk1"/>
+          </a:lnRef>
+          <a:fillRef idx="0">
+            <a:schemeClr val="dk1"/>
+          </a:fillRef>
+          <a:effectRef idx="1">
+            <a:schemeClr val="dk1"/>
+          </a:effectRef>
+          <a:fontRef idx="minor">
+            <a:schemeClr val="tx1"/>
+          </a:fontRef>
+        </p:style>
+      </p:cxnSp>
+      <p:cxnSp>
+        <p:nvCxnSpPr>
+          <p:cNvPr id="33" name="Straight Arrow Connector 32"/>
+          <p:cNvCxnSpPr/>
+          <p:nvPr/>
+        </p:nvCxnSpPr>
+        <p:spPr>
+          <a:xfrm flipH="1">
+            <a:off x="4932528" y="4572000"/>
+            <a:ext cx="1461448" cy="0"/>
+          </a:xfrm>
+          <a:prstGeom prst="straightConnector1">
+            <a:avLst/>
+          </a:prstGeom>
+          <a:ln>
+            <a:tailEnd type="arrow"/>
+          </a:ln>
+        </p:spPr>
+        <p:style>
+          <a:lnRef idx="2">
+            <a:schemeClr val="dk1"/>
+          </a:lnRef>
+          <a:fillRef idx="0">
+            <a:schemeClr val="dk1"/>
+          </a:fillRef>
+          <a:effectRef idx="1">
+            <a:schemeClr val="dk1"/>
+          </a:effectRef>
+          <a:fontRef idx="minor">
+            <a:schemeClr val="tx1"/>
+          </a:fontRef>
+        </p:style>
+      </p:cxnSp>
+      <p:sp>
+        <p:nvSpPr>
+          <p:cNvPr id="39" name="TextBox 38"/>
+          <p:cNvSpPr txBox="1"/>
+          <p:nvPr/>
+        </p:nvSpPr>
+        <p:spPr>
+          <a:xfrm>
+            <a:off x="6591869" y="3515730"/>
+            <a:ext cx="1523999" cy="1169551"/>
+          </a:xfrm>
+          <a:prstGeom prst="rect">
+            <a:avLst/>
+          </a:prstGeom>
+          <a:noFill/>
+        </p:spPr>
+        <p:txBody>
+          <a:bodyPr wrap="square" rtlCol="0">
+            <a:spAutoFit/>
+          </a:bodyPr>
+          <a:lstStyle/>
+          <a:p>
+            <a:r>
+              <a:rPr lang="en-US" sz="1400" dirty="0" smtClean="0"/>
+              <a:t>After the Execution of aggregation query </a:t>
+            </a:r>
+          </a:p>
+          <a:p>
+            <a:r>
+              <a:rPr lang="en-US" sz="1400" dirty="0" smtClean="0"/>
+              <a:t>Empty the validation table</a:t>
+            </a:r>
+            <a:endParaRPr lang="en-US" sz="1400" dirty="0"/>
+          </a:p>
+        </p:txBody>
+      </p:sp>
+      <p:cxnSp>
+        <p:nvCxnSpPr>
+          <p:cNvPr id="41" name="Straight Arrow Connector 40"/>
+          <p:cNvCxnSpPr/>
+          <p:nvPr/>
+        </p:nvCxnSpPr>
+        <p:spPr>
+          <a:xfrm>
+            <a:off x="381000" y="609600"/>
+            <a:ext cx="0" cy="5715000"/>
+          </a:xfrm>
+          <a:prstGeom prst="straightConnector1">
+            <a:avLst/>
+          </a:prstGeom>
+          <a:ln>
+            <a:tailEnd type="arrow"/>
+          </a:ln>
+        </p:spPr>
+        <p:style>
+          <a:lnRef idx="1">
+            <a:schemeClr val="dk1"/>
+          </a:lnRef>
+          <a:fillRef idx="0">
+            <a:schemeClr val="dk1"/>
+          </a:fillRef>
+          <a:effectRef idx="0">
+            <a:schemeClr val="dk1"/>
+          </a:effectRef>
+          <a:fontRef idx="minor">
+            <a:schemeClr val="tx1"/>
+          </a:fontRef>
+        </p:style>
+      </p:cxnSp>
+      <p:sp>
+        <p:nvSpPr>
+          <p:cNvPr id="42" name="TextBox 41"/>
+          <p:cNvSpPr txBox="1"/>
+          <p:nvPr/>
+        </p:nvSpPr>
+        <p:spPr>
+          <a:xfrm rot="16200000">
+            <a:off x="-457902" y="2835909"/>
+            <a:ext cx="1523999" cy="307777"/>
+          </a:xfrm>
+          <a:prstGeom prst="rect">
+            <a:avLst/>
+          </a:prstGeom>
+          <a:noFill/>
+        </p:spPr>
+        <p:txBody>
+          <a:bodyPr wrap="square" rtlCol="0">
+            <a:spAutoFit/>
+          </a:bodyPr>
+          <a:lstStyle/>
+          <a:p>
+            <a:r>
+              <a:rPr lang="en-US" sz="1400" b="1" dirty="0" smtClean="0"/>
+              <a:t>FLOW</a:t>
+            </a:r>
+            <a:endParaRPr lang="en-US" sz="1400" b="1" dirty="0"/>
+          </a:p>
+        </p:txBody>
+      </p:sp>
+      <p:sp>
+        <p:nvSpPr>
+          <p:cNvPr id="43" name="Cloud 42"/>
+          <p:cNvSpPr/>
+          <p:nvPr/>
+        </p:nvSpPr>
+        <p:spPr>
+          <a:xfrm>
+            <a:off x="4500349" y="4876800"/>
+            <a:ext cx="4488407" cy="1828800"/>
+          </a:xfrm>
+          <a:prstGeom prst="cloud">
+            <a:avLst/>
+          </a:prstGeom>
+        </p:spPr>
+        <p:style>
+          <a:lnRef idx="3">
+            <a:schemeClr val="lt1"/>
+          </a:lnRef>
+          <a:fillRef idx="1">
+            <a:schemeClr val="accent1"/>
+          </a:fillRef>
+          <a:effectRef idx="1">
+            <a:schemeClr val="accent1"/>
+          </a:effectRef>
+          <a:fontRef idx="minor">
+            <a:schemeClr val="lt1"/>
+          </a:fontRef>
+        </p:style>
+        <p:txBody>
+          <a:bodyPr rtlCol="0" anchor="ctr"/>
+          <a:lstStyle/>
+          <a:p>
+            <a:pPr algn="ctr"/>
+            <a:r>
+              <a:rPr lang="en-US" sz="1400" u="sng" dirty="0" smtClean="0">
+                <a:solidFill>
+                  <a:schemeClr val="tx1"/>
+                </a:solidFill>
+              </a:rPr>
+              <a:t>Write a query</a:t>
+            </a:r>
+          </a:p>
+          <a:p>
+            <a:pPr algn="ctr"/>
+            <a:r>
+              <a:rPr lang="en-US" sz="1400" dirty="0" smtClean="0">
+                <a:solidFill>
+                  <a:schemeClr val="tx1"/>
+                </a:solidFill>
+              </a:rPr>
+              <a:t>Collect data from </a:t>
+            </a:r>
+            <a:r>
+              <a:rPr lang="en-US" sz="1400" b="1" dirty="0" smtClean="0">
+                <a:solidFill>
+                  <a:schemeClr val="tx1"/>
+                </a:solidFill>
+              </a:rPr>
+              <a:t>Daily table  </a:t>
+            </a:r>
+            <a:r>
+              <a:rPr lang="en-US" sz="1400" dirty="0" smtClean="0">
+                <a:solidFill>
+                  <a:schemeClr val="tx1"/>
+                </a:solidFill>
+              </a:rPr>
+              <a:t>with   </a:t>
+            </a:r>
+            <a:r>
+              <a:rPr lang="en-US" sz="1400" b="1" dirty="0" smtClean="0">
+                <a:solidFill>
+                  <a:schemeClr val="tx1"/>
+                </a:solidFill>
+              </a:rPr>
+              <a:t>Validation’s table</a:t>
+            </a:r>
+            <a:r>
+              <a:rPr lang="en-US" sz="1400" dirty="0" smtClean="0">
+                <a:solidFill>
+                  <a:schemeClr val="tx1"/>
+                </a:solidFill>
+              </a:rPr>
+              <a:t> record with date and </a:t>
+            </a:r>
+            <a:r>
+              <a:rPr lang="en-US" sz="1400" dirty="0">
+                <a:solidFill>
+                  <a:schemeClr val="tx1"/>
+                </a:solidFill>
+              </a:rPr>
+              <a:t>source/actor/metric</a:t>
+            </a:r>
+          </a:p>
+          <a:p>
+            <a:pPr algn="ctr"/>
+            <a:endParaRPr lang="en-US" sz="1400" dirty="0">
+              <a:solidFill>
+                <a:schemeClr val="tx1"/>
+              </a:solidFill>
+            </a:endParaRPr>
+          </a:p>
+        </p:txBody>
+      </p:sp>
+      <p:cxnSp>
+        <p:nvCxnSpPr>
+          <p:cNvPr id="45" name="Straight Arrow Connector 44"/>
+          <p:cNvCxnSpPr/>
+          <p:nvPr/>
+        </p:nvCxnSpPr>
+        <p:spPr>
+          <a:xfrm>
+            <a:off x="4038600" y="5029200"/>
+            <a:ext cx="826828" cy="381000"/>
+          </a:xfrm>
+          <a:prstGeom prst="straightConnector1">
+            <a:avLst/>
+          </a:prstGeom>
+          <a:ln>
+            <a:tailEnd type="arrow"/>
+          </a:ln>
+        </p:spPr>
+        <p:style>
+          <a:lnRef idx="3">
+            <a:schemeClr val="accent2"/>
+          </a:lnRef>
+          <a:fillRef idx="0">
+            <a:schemeClr val="accent2"/>
+          </a:fillRef>
+          <a:effectRef idx="2">
+            <a:schemeClr val="accent2"/>
+          </a:effectRef>
+          <a:fontRef idx="minor">
+            <a:schemeClr val="tx1"/>
+          </a:fontRef>
+        </p:style>
+      </p:cxnSp>
+      <p:sp>
+        <p:nvSpPr>
+          <p:cNvPr id="46" name="Rectangle 45"/>
+          <p:cNvSpPr/>
+          <p:nvPr/>
+        </p:nvSpPr>
+        <p:spPr>
+          <a:xfrm>
+            <a:off x="3255561" y="5583421"/>
+            <a:ext cx="990600" cy="1140023"/>
+          </a:xfrm>
+          <a:prstGeom prst="rect">
+            <a:avLst/>
+          </a:prstGeom>
+        </p:spPr>
+        <p:style>
+          <a:lnRef idx="3">
+            <a:schemeClr val="lt1"/>
+          </a:lnRef>
+          <a:fillRef idx="1">
+            <a:schemeClr val="accent6"/>
+          </a:fillRef>
+          <a:effectRef idx="1">
+            <a:schemeClr val="accent6"/>
+          </a:effectRef>
+          <a:fontRef idx="minor">
+            <a:schemeClr val="lt1"/>
+          </a:fontRef>
+        </p:style>
+        <p:txBody>
+          <a:bodyPr rtlCol="0" anchor="ctr"/>
+          <a:lstStyle/>
+          <a:p>
+            <a:pPr algn="ctr"/>
+            <a:r>
+              <a:rPr lang="en-US" sz="1400" b="1" dirty="0" smtClean="0"/>
+              <a:t>Daily</a:t>
+            </a:r>
+          </a:p>
+          <a:p>
+            <a:pPr algn="ctr"/>
+            <a:r>
+              <a:rPr lang="en-US" sz="1400" b="1" dirty="0" smtClean="0"/>
+              <a:t>table</a:t>
+            </a:r>
+            <a:endParaRPr lang="en-US" sz="1400" b="1" dirty="0"/>
+          </a:p>
+        </p:txBody>
+      </p:sp>
+      <p:cxnSp>
+        <p:nvCxnSpPr>
+          <p:cNvPr id="47" name="Straight Arrow Connector 46"/>
+          <p:cNvCxnSpPr/>
+          <p:nvPr/>
+        </p:nvCxnSpPr>
+        <p:spPr>
+          <a:xfrm>
+            <a:off x="3750861" y="5029200"/>
+            <a:ext cx="0" cy="571500"/>
+          </a:xfrm>
+          <a:prstGeom prst="straightConnector1">
+            <a:avLst/>
+          </a:prstGeom>
+          <a:ln>
+            <a:tailEnd type="arrow"/>
+          </a:ln>
+        </p:spPr>
+        <p:style>
+          <a:lnRef idx="3">
+            <a:schemeClr val="dk1"/>
+          </a:lnRef>
+          <a:fillRef idx="0">
+            <a:schemeClr val="dk1"/>
+          </a:fillRef>
+          <a:effectRef idx="2">
+            <a:schemeClr val="dk1"/>
+          </a:effectRef>
+          <a:fontRef idx="minor">
+            <a:schemeClr val="tx1"/>
+          </a:fontRef>
+        </p:style>
+      </p:cxnSp>
+      <p:sp>
+        <p:nvSpPr>
+          <p:cNvPr id="49" name="TextBox 48"/>
+          <p:cNvSpPr txBox="1"/>
+          <p:nvPr/>
+        </p:nvSpPr>
+        <p:spPr>
+          <a:xfrm>
+            <a:off x="2928015" y="5161061"/>
+            <a:ext cx="1523999" cy="307777"/>
+          </a:xfrm>
+          <a:prstGeom prst="rect">
+            <a:avLst/>
+          </a:prstGeom>
+          <a:noFill/>
+        </p:spPr>
+        <p:txBody>
+          <a:bodyPr wrap="square" rtlCol="0">
+            <a:spAutoFit/>
+          </a:bodyPr>
+          <a:lstStyle/>
+          <a:p>
+            <a:r>
+              <a:rPr lang="en-US" sz="1400" b="1" dirty="0" smtClean="0"/>
+              <a:t>INSERT</a:t>
+            </a:r>
+            <a:endParaRPr lang="en-US" sz="1400" b="1" dirty="0"/>
+          </a:p>
+        </p:txBody>
+      </p:sp>
+    </p:spTree>
+    <p:extLst>
+      <p:ext uri="{BB962C8B-B14F-4D97-AF65-F5344CB8AC3E}">
+        <p14:creationId xmlns:p14="http://schemas.microsoft.com/office/powerpoint/2010/main" val="4004295281"/>
+      </p:ext>
+    </p:extLst>
+  </p:cSld>
+  <p:clrMapOvr>
+    <a:masterClrMapping/>
+  </p:clrMapOvr>
+</p:sld>
+</file>
+
 <file path=ppt/theme/theme1.xml><?xml version="1.0" encoding="utf-8"?>
 <a:theme xmlns:a="http://schemas.openxmlformats.org/drawingml/2006/main" name="Office Theme">
   <a:themeElements>
